--- a/simplesamlphp-as-aad-external-idp/images/figures.pptx
+++ b/simplesamlphp-as-aad-external-idp/images/figures.pptx
@@ -3614,6 +3614,983 @@
           <a:chExt cx="0" cy="0"/>
         </a:xfrm>
       </p:grpSpPr>
+      <p:pic>
+        <p:nvPicPr>
+          <p:cNvPr id="2" name="グラフィックス 1">
+            <a:extLst>
+              <a:ext uri="{FF2B5EF4-FFF2-40B4-BE49-F238E27FC236}">
+                <a16:creationId xmlns:a16="http://schemas.microsoft.com/office/drawing/2014/main" id="{7DAEF785-47EB-B9CC-C0D3-EE99DD4F1A4D}"/>
+              </a:ext>
+            </a:extLst>
+          </p:cNvPr>
+          <p:cNvPicPr>
+            <a:picLocks noChangeAspect="1"/>
+          </p:cNvPicPr>
+          <p:nvPr/>
+        </p:nvPicPr>
+        <p:blipFill>
+          <a:blip r:embed="rId2">
+            <a:extLst>
+              <a:ext uri="{28A0092B-C50C-407E-A947-70E740481C1C}">
+                <a14:useLocalDpi xmlns:a14="http://schemas.microsoft.com/office/drawing/2010/main" val="0"/>
+              </a:ext>
+              <a:ext uri="{96DAC541-7B7A-43D3-8B79-37D633B846F1}">
+                <asvg:svgBlip xmlns:asvg="http://schemas.microsoft.com/office/drawing/2016/SVG/main" r:embed="rId3"/>
+              </a:ext>
+            </a:extLst>
+          </a:blip>
+          <a:stretch>
+            <a:fillRect/>
+          </a:stretch>
+        </p:blipFill>
+        <p:spPr>
+          <a:xfrm>
+            <a:off x="6057152" y="5267306"/>
+            <a:ext cx="866594" cy="866594"/>
+          </a:xfrm>
+          <a:prstGeom prst="rect">
+            <a:avLst/>
+          </a:prstGeom>
+        </p:spPr>
+      </p:pic>
+      <p:pic>
+        <p:nvPicPr>
+          <p:cNvPr id="3" name="図 2" descr="アイコン が含まれている画像&#10;&#10;自動的に生成された説明">
+            <a:extLst>
+              <a:ext uri="{FF2B5EF4-FFF2-40B4-BE49-F238E27FC236}">
+                <a16:creationId xmlns:a16="http://schemas.microsoft.com/office/drawing/2014/main" id="{6C17A14B-BE8D-A2A3-5B31-CD854036E047}"/>
+              </a:ext>
+            </a:extLst>
+          </p:cNvPr>
+          <p:cNvPicPr>
+            <a:picLocks noChangeAspect="1"/>
+          </p:cNvPicPr>
+          <p:nvPr/>
+        </p:nvPicPr>
+        <p:blipFill>
+          <a:blip r:embed="rId4">
+            <a:extLst>
+              <a:ext uri="{28A0092B-C50C-407E-A947-70E740481C1C}">
+                <a14:useLocalDpi xmlns:a14="http://schemas.microsoft.com/office/drawing/2010/main" val="0"/>
+              </a:ext>
+            </a:extLst>
+          </a:blip>
+          <a:stretch>
+            <a:fillRect/>
+          </a:stretch>
+        </p:blipFill>
+        <p:spPr>
+          <a:xfrm>
+            <a:off x="3226013" y="3768983"/>
+            <a:ext cx="775385" cy="791209"/>
+          </a:xfrm>
+          <a:prstGeom prst="rect">
+            <a:avLst/>
+          </a:prstGeom>
+        </p:spPr>
+      </p:pic>
+      <p:pic>
+        <p:nvPicPr>
+          <p:cNvPr id="4" name="グラフィックス 3">
+            <a:extLst>
+              <a:ext uri="{FF2B5EF4-FFF2-40B4-BE49-F238E27FC236}">
+                <a16:creationId xmlns:a16="http://schemas.microsoft.com/office/drawing/2014/main" id="{B7EB28A6-AF2D-2F55-78D7-35F9AF48EA20}"/>
+              </a:ext>
+            </a:extLst>
+          </p:cNvPr>
+          <p:cNvPicPr>
+            <a:picLocks noChangeAspect="1"/>
+          </p:cNvPicPr>
+          <p:nvPr/>
+        </p:nvPicPr>
+        <p:blipFill>
+          <a:blip r:embed="rId5">
+            <a:extLst>
+              <a:ext uri="{28A0092B-C50C-407E-A947-70E740481C1C}">
+                <a14:useLocalDpi xmlns:a14="http://schemas.microsoft.com/office/drawing/2010/main" val="0"/>
+              </a:ext>
+              <a:ext uri="{96DAC541-7B7A-43D3-8B79-37D633B846F1}">
+                <asvg:svgBlip xmlns:asvg="http://schemas.microsoft.com/office/drawing/2016/SVG/main" r:embed="rId6"/>
+              </a:ext>
+            </a:extLst>
+          </a:blip>
+          <a:stretch>
+            <a:fillRect/>
+          </a:stretch>
+        </p:blipFill>
+        <p:spPr>
+          <a:xfrm>
+            <a:off x="6272661" y="3197690"/>
+            <a:ext cx="651085" cy="651085"/>
+          </a:xfrm>
+          <a:prstGeom prst="rect">
+            <a:avLst/>
+          </a:prstGeom>
+        </p:spPr>
+      </p:pic>
+      <p:pic>
+        <p:nvPicPr>
+          <p:cNvPr id="5" name="図 4" descr="図形, 円&#10;&#10;中程度の精度で自動的に生成された説明">
+            <a:extLst>
+              <a:ext uri="{FF2B5EF4-FFF2-40B4-BE49-F238E27FC236}">
+                <a16:creationId xmlns:a16="http://schemas.microsoft.com/office/drawing/2014/main" id="{FEECEFA6-173C-F819-3934-DD9ADA9B4568}"/>
+              </a:ext>
+            </a:extLst>
+          </p:cNvPr>
+          <p:cNvPicPr>
+            <a:picLocks noChangeAspect="1"/>
+          </p:cNvPicPr>
+          <p:nvPr/>
+        </p:nvPicPr>
+        <p:blipFill>
+          <a:blip r:embed="rId7">
+            <a:extLst>
+              <a:ext uri="{28A0092B-C50C-407E-A947-70E740481C1C}">
+                <a14:useLocalDpi xmlns:a14="http://schemas.microsoft.com/office/drawing/2010/main" val="0"/>
+              </a:ext>
+            </a:extLst>
+          </a:blip>
+          <a:stretch>
+            <a:fillRect/>
+          </a:stretch>
+        </p:blipFill>
+        <p:spPr>
+          <a:xfrm>
+            <a:off x="2380114" y="3517852"/>
+            <a:ext cx="780290" cy="780290"/>
+          </a:xfrm>
+          <a:prstGeom prst="rect">
+            <a:avLst/>
+          </a:prstGeom>
+        </p:spPr>
+      </p:pic>
+      <p:cxnSp>
+        <p:nvCxnSpPr>
+          <p:cNvPr id="6" name="直線矢印コネクタ 5">
+            <a:extLst>
+              <a:ext uri="{FF2B5EF4-FFF2-40B4-BE49-F238E27FC236}">
+                <a16:creationId xmlns:a16="http://schemas.microsoft.com/office/drawing/2014/main" id="{37D361A2-60F5-8B8B-4DFA-11A271D0A192}"/>
+              </a:ext>
+            </a:extLst>
+          </p:cNvPr>
+          <p:cNvCxnSpPr>
+            <a:cxnSpLocks/>
+          </p:cNvCxnSpPr>
+          <p:nvPr/>
+        </p:nvCxnSpPr>
+        <p:spPr>
+          <a:xfrm flipV="1">
+            <a:off x="4094237" y="3517852"/>
+            <a:ext cx="2001763" cy="746381"/>
+          </a:xfrm>
+          <a:prstGeom prst="straightConnector1">
+            <a:avLst/>
+          </a:prstGeom>
+          <a:ln w="9525" cap="flat" cmpd="sng" algn="ctr">
+            <a:solidFill>
+              <a:schemeClr val="accent1"/>
+            </a:solidFill>
+            <a:prstDash val="solid"/>
+            <a:round/>
+            <a:headEnd type="none" w="med" len="med"/>
+            <a:tailEnd type="arrow" w="med" len="med"/>
+          </a:ln>
+        </p:spPr>
+        <p:style>
+          <a:lnRef idx="0">
+            <a:scrgbClr r="0" g="0" b="0"/>
+          </a:lnRef>
+          <a:fillRef idx="0">
+            <a:scrgbClr r="0" g="0" b="0"/>
+          </a:fillRef>
+          <a:effectRef idx="0">
+            <a:scrgbClr r="0" g="0" b="0"/>
+          </a:effectRef>
+          <a:fontRef idx="minor">
+            <a:schemeClr val="tx1"/>
+          </a:fontRef>
+        </p:style>
+      </p:cxnSp>
+      <p:sp>
+        <p:nvSpPr>
+          <p:cNvPr id="7" name="四角形: 角を丸くする 26">
+            <a:extLst>
+              <a:ext uri="{FF2B5EF4-FFF2-40B4-BE49-F238E27FC236}">
+                <a16:creationId xmlns:a16="http://schemas.microsoft.com/office/drawing/2014/main" id="{8EAC5744-3B17-2B9B-51BB-16907C6835C3}"/>
+              </a:ext>
+            </a:extLst>
+          </p:cNvPr>
+          <p:cNvSpPr/>
+          <p:nvPr/>
+        </p:nvSpPr>
+        <p:spPr>
+          <a:xfrm>
+            <a:off x="5975760" y="1468888"/>
+            <a:ext cx="1267955" cy="525202"/>
+          </a:xfrm>
+          <a:prstGeom prst="roundRect">
+            <a:avLst/>
+          </a:prstGeom>
+        </p:spPr>
+        <p:style>
+          <a:lnRef idx="2">
+            <a:schemeClr val="accent1">
+              <a:shade val="50000"/>
+            </a:schemeClr>
+          </a:lnRef>
+          <a:fillRef idx="1">
+            <a:schemeClr val="accent1"/>
+          </a:fillRef>
+          <a:effectRef idx="0">
+            <a:schemeClr val="accent1"/>
+          </a:effectRef>
+          <a:fontRef idx="minor">
+            <a:schemeClr val="lt1"/>
+          </a:fontRef>
+        </p:style>
+        <p:txBody>
+          <a:bodyPr rtlCol="0" anchor="ctr"/>
+          <a:lstStyle/>
+          <a:p>
+            <a:pPr algn="ctr"/>
+            <a:r>
+              <a:rPr lang="en-US" altLang="ja-JP" dirty="0"/>
+              <a:t>IdP</a:t>
+            </a:r>
+            <a:endParaRPr kumimoji="1" lang="ja-JP" altLang="en-US" dirty="0"/>
+          </a:p>
+        </p:txBody>
+      </p:sp>
+      <p:cxnSp>
+        <p:nvCxnSpPr>
+          <p:cNvPr id="10" name="直線矢印コネクタ 9">
+            <a:extLst>
+              <a:ext uri="{FF2B5EF4-FFF2-40B4-BE49-F238E27FC236}">
+                <a16:creationId xmlns:a16="http://schemas.microsoft.com/office/drawing/2014/main" id="{5F2108F6-F88F-4C5C-FF7D-4985DA6AA5C8}"/>
+              </a:ext>
+            </a:extLst>
+          </p:cNvPr>
+          <p:cNvCxnSpPr>
+            <a:cxnSpLocks/>
+          </p:cNvCxnSpPr>
+          <p:nvPr/>
+        </p:nvCxnSpPr>
+        <p:spPr>
+          <a:xfrm flipV="1">
+            <a:off x="3876091" y="1787991"/>
+            <a:ext cx="2036241" cy="2060784"/>
+          </a:xfrm>
+          <a:prstGeom prst="straightConnector1">
+            <a:avLst/>
+          </a:prstGeom>
+          <a:ln w="9525" cap="flat" cmpd="sng" algn="ctr">
+            <a:solidFill>
+              <a:schemeClr val="accent1"/>
+            </a:solidFill>
+            <a:prstDash val="solid"/>
+            <a:round/>
+            <a:headEnd type="none" w="med" len="med"/>
+            <a:tailEnd type="arrow" w="med" len="med"/>
+          </a:ln>
+        </p:spPr>
+        <p:style>
+          <a:lnRef idx="0">
+            <a:scrgbClr r="0" g="0" b="0"/>
+          </a:lnRef>
+          <a:fillRef idx="0">
+            <a:scrgbClr r="0" g="0" b="0"/>
+          </a:fillRef>
+          <a:effectRef idx="0">
+            <a:scrgbClr r="0" g="0" b="0"/>
+          </a:effectRef>
+          <a:fontRef idx="minor">
+            <a:schemeClr val="tx1"/>
+          </a:fontRef>
+        </p:style>
+      </p:cxnSp>
+      <p:cxnSp>
+        <p:nvCxnSpPr>
+          <p:cNvPr id="13" name="直線矢印コネクタ 12">
+            <a:extLst>
+              <a:ext uri="{FF2B5EF4-FFF2-40B4-BE49-F238E27FC236}">
+                <a16:creationId xmlns:a16="http://schemas.microsoft.com/office/drawing/2014/main" id="{E6D32628-5C12-15A8-D9AB-1B6FEB857585}"/>
+              </a:ext>
+            </a:extLst>
+          </p:cNvPr>
+          <p:cNvCxnSpPr>
+            <a:cxnSpLocks/>
+          </p:cNvCxnSpPr>
+          <p:nvPr/>
+        </p:nvCxnSpPr>
+        <p:spPr>
+          <a:xfrm>
+            <a:off x="4186208" y="4560402"/>
+            <a:ext cx="1881729" cy="861871"/>
+          </a:xfrm>
+          <a:prstGeom prst="straightConnector1">
+            <a:avLst/>
+          </a:prstGeom>
+          <a:ln w="9525" cap="flat" cmpd="sng" algn="ctr">
+            <a:solidFill>
+              <a:schemeClr val="accent1"/>
+            </a:solidFill>
+            <a:prstDash val="solid"/>
+            <a:round/>
+            <a:headEnd type="none" w="med" len="med"/>
+            <a:tailEnd type="arrow" w="med" len="med"/>
+          </a:ln>
+        </p:spPr>
+        <p:style>
+          <a:lnRef idx="0">
+            <a:scrgbClr r="0" g="0" b="0"/>
+          </a:lnRef>
+          <a:fillRef idx="0">
+            <a:scrgbClr r="0" g="0" b="0"/>
+          </a:fillRef>
+          <a:effectRef idx="0">
+            <a:scrgbClr r="0" g="0" b="0"/>
+          </a:effectRef>
+          <a:fontRef idx="minor">
+            <a:schemeClr val="tx1"/>
+          </a:fontRef>
+        </p:style>
+      </p:cxnSp>
+      <p:sp>
+        <p:nvSpPr>
+          <p:cNvPr id="14" name="テキスト ボックス 13">
+            <a:extLst>
+              <a:ext uri="{FF2B5EF4-FFF2-40B4-BE49-F238E27FC236}">
+                <a16:creationId xmlns:a16="http://schemas.microsoft.com/office/drawing/2014/main" id="{934827FE-A926-83C3-4372-D8E60EC05C34}"/>
+              </a:ext>
+            </a:extLst>
+          </p:cNvPr>
+          <p:cNvSpPr txBox="1"/>
+          <p:nvPr/>
+        </p:nvSpPr>
+        <p:spPr>
+          <a:xfrm>
+            <a:off x="6923746" y="3269015"/>
+            <a:ext cx="2706190" cy="584775"/>
+          </a:xfrm>
+          <a:prstGeom prst="rect">
+            <a:avLst/>
+          </a:prstGeom>
+          <a:noFill/>
+        </p:spPr>
+        <p:txBody>
+          <a:bodyPr wrap="none" rtlCol="0">
+            <a:spAutoFit/>
+          </a:bodyPr>
+          <a:lstStyle/>
+          <a:p>
+            <a:r>
+              <a:rPr lang="ja-JP" altLang="en-US" sz="1600"/>
+              <a:t>アプリなどが信頼する</a:t>
+            </a:r>
+            <a:br>
+              <a:rPr lang="en-US" altLang="ja-JP" sz="1600" dirty="0"/>
+            </a:br>
+            <a:r>
+              <a:rPr lang="ja-JP" altLang="en-US" sz="1600"/>
+              <a:t>認可サーバー（</a:t>
+            </a:r>
+            <a:r>
+              <a:rPr lang="en-US" altLang="ja-JP" sz="1600" dirty="0"/>
+              <a:t>Azure</a:t>
+            </a:r>
+            <a:r>
+              <a:rPr lang="ja-JP" altLang="en-US" sz="1600"/>
+              <a:t> </a:t>
+            </a:r>
+            <a:r>
+              <a:rPr lang="en-US" altLang="ja-JP" sz="1600" dirty="0"/>
+              <a:t>AD</a:t>
+            </a:r>
+            <a:r>
+              <a:rPr lang="ja-JP" altLang="en-US" sz="1600"/>
+              <a:t>）</a:t>
+            </a:r>
+            <a:endParaRPr lang="en-US" altLang="ja-JP" sz="1600" dirty="0"/>
+          </a:p>
+        </p:txBody>
+      </p:sp>
+      <p:sp>
+        <p:nvSpPr>
+          <p:cNvPr id="15" name="テキスト ボックス 14">
+            <a:extLst>
+              <a:ext uri="{FF2B5EF4-FFF2-40B4-BE49-F238E27FC236}">
+                <a16:creationId xmlns:a16="http://schemas.microsoft.com/office/drawing/2014/main" id="{DF23F1F7-8AFA-83B9-041E-AA1CD32C4FDC}"/>
+              </a:ext>
+            </a:extLst>
+          </p:cNvPr>
+          <p:cNvSpPr txBox="1"/>
+          <p:nvPr/>
+        </p:nvSpPr>
+        <p:spPr>
+          <a:xfrm>
+            <a:off x="2930284" y="4629811"/>
+            <a:ext cx="1261884" cy="523220"/>
+          </a:xfrm>
+          <a:prstGeom prst="rect">
+            <a:avLst/>
+          </a:prstGeom>
+          <a:noFill/>
+        </p:spPr>
+        <p:txBody>
+          <a:bodyPr wrap="none" rtlCol="0">
+            <a:spAutoFit/>
+          </a:bodyPr>
+          <a:lstStyle/>
+          <a:p>
+            <a:r>
+              <a:rPr lang="ja-JP" altLang="en-US" sz="1400" dirty="0"/>
+              <a:t>クライアント</a:t>
+            </a:r>
+            <a:br>
+              <a:rPr lang="en-US" altLang="ja-JP" sz="1400" dirty="0"/>
+            </a:br>
+            <a:r>
+              <a:rPr lang="ja-JP" altLang="en-US" sz="1400" dirty="0"/>
+              <a:t>アプリ</a:t>
+            </a:r>
+            <a:endParaRPr lang="en-US" altLang="ja-JP" sz="1400" dirty="0"/>
+          </a:p>
+        </p:txBody>
+      </p:sp>
+      <p:sp>
+        <p:nvSpPr>
+          <p:cNvPr id="16" name="テキスト ボックス 15">
+            <a:extLst>
+              <a:ext uri="{FF2B5EF4-FFF2-40B4-BE49-F238E27FC236}">
+                <a16:creationId xmlns:a16="http://schemas.microsoft.com/office/drawing/2014/main" id="{34F494A2-4A12-9CC2-9EA5-8D7844EC85C2}"/>
+              </a:ext>
+            </a:extLst>
+          </p:cNvPr>
+          <p:cNvSpPr txBox="1"/>
+          <p:nvPr/>
+        </p:nvSpPr>
+        <p:spPr>
+          <a:xfrm>
+            <a:off x="5412279" y="6133900"/>
+            <a:ext cx="2020105" cy="369332"/>
+          </a:xfrm>
+          <a:prstGeom prst="rect">
+            <a:avLst/>
+          </a:prstGeom>
+          <a:noFill/>
+        </p:spPr>
+        <p:txBody>
+          <a:bodyPr wrap="none" rtlCol="0">
+            <a:spAutoFit/>
+          </a:bodyPr>
+          <a:lstStyle/>
+          <a:p>
+            <a:r>
+              <a:rPr lang="en-US" altLang="ja-JP" dirty="0"/>
+              <a:t>API Management</a:t>
+            </a:r>
+          </a:p>
+        </p:txBody>
+      </p:sp>
+      <p:cxnSp>
+        <p:nvCxnSpPr>
+          <p:cNvPr id="18" name="コネクタ: カギ線 58">
+            <a:extLst>
+              <a:ext uri="{FF2B5EF4-FFF2-40B4-BE49-F238E27FC236}">
+                <a16:creationId xmlns:a16="http://schemas.microsoft.com/office/drawing/2014/main" id="{1D5D3FE1-9F5B-B99A-500B-71A869A4C282}"/>
+              </a:ext>
+            </a:extLst>
+          </p:cNvPr>
+          <p:cNvCxnSpPr>
+            <a:cxnSpLocks/>
+            <a:stCxn id="2" idx="0"/>
+            <a:endCxn id="4" idx="2"/>
+          </p:cNvCxnSpPr>
+          <p:nvPr/>
+        </p:nvCxnSpPr>
+        <p:spPr>
+          <a:xfrm rot="5400000" flipH="1" flipV="1">
+            <a:off x="5835061" y="4504164"/>
+            <a:ext cx="1418531" cy="107755"/>
+          </a:xfrm>
+          <a:prstGeom prst="bentConnector3">
+            <a:avLst>
+              <a:gd name="adj1" fmla="val 50000"/>
+            </a:avLst>
+          </a:prstGeom>
+          <a:ln w="9525" cap="flat" cmpd="sng" algn="ctr">
+            <a:solidFill>
+              <a:schemeClr val="dk1"/>
+            </a:solidFill>
+            <a:prstDash val="dash"/>
+            <a:round/>
+            <a:headEnd type="none" w="med" len="med"/>
+            <a:tailEnd type="arrow" w="med" len="med"/>
+          </a:ln>
+        </p:spPr>
+        <p:style>
+          <a:lnRef idx="0">
+            <a:scrgbClr r="0" g="0" b="0"/>
+          </a:lnRef>
+          <a:fillRef idx="0">
+            <a:scrgbClr r="0" g="0" b="0"/>
+          </a:fillRef>
+          <a:effectRef idx="0">
+            <a:scrgbClr r="0" g="0" b="0"/>
+          </a:effectRef>
+          <a:fontRef idx="minor">
+            <a:schemeClr val="tx1"/>
+          </a:fontRef>
+        </p:style>
+      </p:cxnSp>
+      <p:cxnSp>
+        <p:nvCxnSpPr>
+          <p:cNvPr id="22" name="直線矢印コネクタ 21">
+            <a:extLst>
+              <a:ext uri="{FF2B5EF4-FFF2-40B4-BE49-F238E27FC236}">
+                <a16:creationId xmlns:a16="http://schemas.microsoft.com/office/drawing/2014/main" id="{D0A1D72C-DB0D-6667-3FDD-0D3ED46ABC32}"/>
+              </a:ext>
+            </a:extLst>
+          </p:cNvPr>
+          <p:cNvCxnSpPr>
+            <a:cxnSpLocks/>
+          </p:cNvCxnSpPr>
+          <p:nvPr/>
+        </p:nvCxnSpPr>
+        <p:spPr>
+          <a:xfrm>
+            <a:off x="7087876" y="5638147"/>
+            <a:ext cx="1285246" cy="383"/>
+          </a:xfrm>
+          <a:prstGeom prst="straightConnector1">
+            <a:avLst/>
+          </a:prstGeom>
+          <a:ln w="9525" cap="flat" cmpd="sng" algn="ctr">
+            <a:solidFill>
+              <a:schemeClr val="accent1"/>
+            </a:solidFill>
+            <a:prstDash val="solid"/>
+            <a:round/>
+            <a:headEnd type="none" w="med" len="med"/>
+            <a:tailEnd type="arrow" w="med" len="med"/>
+          </a:ln>
+        </p:spPr>
+        <p:style>
+          <a:lnRef idx="0">
+            <a:scrgbClr r="0" g="0" b="0"/>
+          </a:lnRef>
+          <a:fillRef idx="0">
+            <a:scrgbClr r="0" g="0" b="0"/>
+          </a:fillRef>
+          <a:effectRef idx="0">
+            <a:scrgbClr r="0" g="0" b="0"/>
+          </a:effectRef>
+          <a:fontRef idx="minor">
+            <a:schemeClr val="tx1"/>
+          </a:fontRef>
+        </p:style>
+      </p:cxnSp>
+      <p:pic>
+        <p:nvPicPr>
+          <p:cNvPr id="23" name="図 22" descr="ロゴ&#10;&#10;自動的に生成された説明">
+            <a:extLst>
+              <a:ext uri="{FF2B5EF4-FFF2-40B4-BE49-F238E27FC236}">
+                <a16:creationId xmlns:a16="http://schemas.microsoft.com/office/drawing/2014/main" id="{3ACAF7D0-405E-DF67-77E0-C78C770BC133}"/>
+              </a:ext>
+            </a:extLst>
+          </p:cNvPr>
+          <p:cNvPicPr>
+            <a:picLocks noChangeAspect="1"/>
+          </p:cNvPicPr>
+          <p:nvPr/>
+        </p:nvPicPr>
+        <p:blipFill>
+          <a:blip r:embed="rId8">
+            <a:extLst>
+              <a:ext uri="{28A0092B-C50C-407E-A947-70E740481C1C}">
+                <a14:useLocalDpi xmlns:a14="http://schemas.microsoft.com/office/drawing/2010/main" val="0"/>
+              </a:ext>
+            </a:extLst>
+          </a:blip>
+          <a:stretch>
+            <a:fillRect/>
+          </a:stretch>
+        </p:blipFill>
+        <p:spPr>
+          <a:xfrm>
+            <a:off x="8701150" y="5248002"/>
+            <a:ext cx="780290" cy="780290"/>
+          </a:xfrm>
+          <a:prstGeom prst="rect">
+            <a:avLst/>
+          </a:prstGeom>
+        </p:spPr>
+      </p:pic>
+      <p:sp>
+        <p:nvSpPr>
+          <p:cNvPr id="24" name="テキスト ボックス 23">
+            <a:extLst>
+              <a:ext uri="{FF2B5EF4-FFF2-40B4-BE49-F238E27FC236}">
+                <a16:creationId xmlns:a16="http://schemas.microsoft.com/office/drawing/2014/main" id="{7CB20DDD-9715-2B0C-6A77-FB9EF73C064C}"/>
+              </a:ext>
+            </a:extLst>
+          </p:cNvPr>
+          <p:cNvSpPr txBox="1"/>
+          <p:nvPr/>
+        </p:nvSpPr>
+        <p:spPr>
+          <a:xfrm>
+            <a:off x="8912760" y="6133900"/>
+            <a:ext cx="553357" cy="369332"/>
+          </a:xfrm>
+          <a:prstGeom prst="rect">
+            <a:avLst/>
+          </a:prstGeom>
+          <a:noFill/>
+        </p:spPr>
+        <p:txBody>
+          <a:bodyPr wrap="none" rtlCol="0">
+            <a:spAutoFit/>
+          </a:bodyPr>
+          <a:lstStyle/>
+          <a:p>
+            <a:r>
+              <a:rPr lang="en-US" altLang="ja-JP" dirty="0"/>
+              <a:t>API</a:t>
+            </a:r>
+          </a:p>
+        </p:txBody>
+      </p:sp>
+      <p:pic>
+        <p:nvPicPr>
+          <p:cNvPr id="25" name="グラフィックス 24">
+            <a:extLst>
+              <a:ext uri="{FF2B5EF4-FFF2-40B4-BE49-F238E27FC236}">
+                <a16:creationId xmlns:a16="http://schemas.microsoft.com/office/drawing/2014/main" id="{D9C66CF0-DD05-F0FF-BFDA-BB0C0DBA63F5}"/>
+              </a:ext>
+            </a:extLst>
+          </p:cNvPr>
+          <p:cNvPicPr>
+            <a:picLocks noChangeAspect="1"/>
+          </p:cNvPicPr>
+          <p:nvPr/>
+        </p:nvPicPr>
+        <p:blipFill>
+          <a:blip r:embed="rId9">
+            <a:extLst>
+              <a:ext uri="{28A0092B-C50C-407E-A947-70E740481C1C}">
+                <a14:useLocalDpi xmlns:a14="http://schemas.microsoft.com/office/drawing/2010/main" val="0"/>
+              </a:ext>
+              <a:ext uri="{96DAC541-7B7A-43D3-8B79-37D633B846F1}">
+                <asvg:svgBlip xmlns:asvg="http://schemas.microsoft.com/office/drawing/2016/SVG/main" r:embed="rId10"/>
+              </a:ext>
+            </a:extLst>
+          </a:blip>
+          <a:stretch>
+            <a:fillRect/>
+          </a:stretch>
+        </p:blipFill>
+        <p:spPr>
+          <a:xfrm>
+            <a:off x="10072276" y="4837688"/>
+            <a:ext cx="2119724" cy="1645576"/>
+          </a:xfrm>
+          <a:prstGeom prst="rect">
+            <a:avLst/>
+          </a:prstGeom>
+        </p:spPr>
+      </p:pic>
+      <p:cxnSp>
+        <p:nvCxnSpPr>
+          <p:cNvPr id="26" name="直線矢印コネクタ 25">
+            <a:extLst>
+              <a:ext uri="{FF2B5EF4-FFF2-40B4-BE49-F238E27FC236}">
+                <a16:creationId xmlns:a16="http://schemas.microsoft.com/office/drawing/2014/main" id="{B5653CD2-EC5A-C684-98B6-E7A841E896C0}"/>
+              </a:ext>
+            </a:extLst>
+          </p:cNvPr>
+          <p:cNvCxnSpPr>
+            <a:cxnSpLocks/>
+          </p:cNvCxnSpPr>
+          <p:nvPr/>
+        </p:nvCxnSpPr>
+        <p:spPr>
+          <a:xfrm>
+            <a:off x="9562085" y="5672647"/>
+            <a:ext cx="1285246" cy="383"/>
+          </a:xfrm>
+          <a:prstGeom prst="straightConnector1">
+            <a:avLst/>
+          </a:prstGeom>
+          <a:ln w="9525" cap="flat" cmpd="sng" algn="ctr">
+            <a:solidFill>
+              <a:schemeClr val="accent1"/>
+            </a:solidFill>
+            <a:prstDash val="solid"/>
+            <a:round/>
+            <a:headEnd type="none" w="med" len="med"/>
+            <a:tailEnd type="arrow" w="med" len="med"/>
+          </a:ln>
+        </p:spPr>
+        <p:style>
+          <a:lnRef idx="0">
+            <a:scrgbClr r="0" g="0" b="0"/>
+          </a:lnRef>
+          <a:fillRef idx="0">
+            <a:scrgbClr r="0" g="0" b="0"/>
+          </a:fillRef>
+          <a:effectRef idx="0">
+            <a:scrgbClr r="0" g="0" b="0"/>
+          </a:effectRef>
+          <a:fontRef idx="minor">
+            <a:schemeClr val="tx1"/>
+          </a:fontRef>
+        </p:style>
+      </p:cxnSp>
+      <p:sp>
+        <p:nvSpPr>
+          <p:cNvPr id="29" name="テキスト ボックス 28">
+            <a:extLst>
+              <a:ext uri="{FF2B5EF4-FFF2-40B4-BE49-F238E27FC236}">
+                <a16:creationId xmlns:a16="http://schemas.microsoft.com/office/drawing/2014/main" id="{853C601C-6E1B-840E-F288-90426081D6E9}"/>
+              </a:ext>
+            </a:extLst>
+          </p:cNvPr>
+          <p:cNvSpPr txBox="1"/>
+          <p:nvPr/>
+        </p:nvSpPr>
+        <p:spPr>
+          <a:xfrm>
+            <a:off x="7243715" y="1450158"/>
+            <a:ext cx="2441694" cy="584775"/>
+          </a:xfrm>
+          <a:prstGeom prst="rect">
+            <a:avLst/>
+          </a:prstGeom>
+          <a:noFill/>
+        </p:spPr>
+        <p:txBody>
+          <a:bodyPr wrap="none" rtlCol="0">
+            <a:spAutoFit/>
+          </a:bodyPr>
+          <a:lstStyle/>
+          <a:p>
+            <a:r>
+              <a:rPr lang="ja-JP" altLang="en-US" sz="1600"/>
+              <a:t>ユーザーを管理している</a:t>
+            </a:r>
+            <a:br>
+              <a:rPr lang="en-US" altLang="ja-JP" sz="1600" dirty="0"/>
+            </a:br>
+            <a:r>
+              <a:rPr lang="en-US" altLang="ja-JP" sz="1600" dirty="0"/>
+              <a:t>SAML</a:t>
+            </a:r>
+            <a:r>
+              <a:rPr lang="ja-JP" altLang="en-US" sz="1600"/>
+              <a:t> </a:t>
+            </a:r>
+            <a:r>
+              <a:rPr lang="en-US" altLang="ja-JP" sz="1600" dirty="0"/>
+              <a:t>Identity Provider</a:t>
+            </a:r>
+            <a:endParaRPr kumimoji="1" lang="ja-JP" altLang="en-US" sz="1600" dirty="0"/>
+          </a:p>
+        </p:txBody>
+      </p:sp>
+      <p:sp>
+        <p:nvSpPr>
+          <p:cNvPr id="32" name="テキスト ボックス 31">
+            <a:extLst>
+              <a:ext uri="{FF2B5EF4-FFF2-40B4-BE49-F238E27FC236}">
+                <a16:creationId xmlns:a16="http://schemas.microsoft.com/office/drawing/2014/main" id="{EA6F19BA-0539-76EE-8C47-0EC8D5E67C1B}"/>
+              </a:ext>
+            </a:extLst>
+          </p:cNvPr>
+          <p:cNvSpPr txBox="1"/>
+          <p:nvPr/>
+        </p:nvSpPr>
+        <p:spPr>
+          <a:xfrm>
+            <a:off x="4299738" y="2584379"/>
+            <a:ext cx="756938" cy="338554"/>
+          </a:xfrm>
+          <a:prstGeom prst="rect">
+            <a:avLst/>
+          </a:prstGeom>
+          <a:noFill/>
+        </p:spPr>
+        <p:txBody>
+          <a:bodyPr wrap="none" rtlCol="0">
+            <a:spAutoFit/>
+          </a:bodyPr>
+          <a:lstStyle/>
+          <a:p>
+            <a:r>
+              <a:rPr lang="en-US" altLang="ja-JP" sz="1600" dirty="0"/>
+              <a:t>SAML</a:t>
+            </a:r>
+          </a:p>
+        </p:txBody>
+      </p:sp>
+      <p:sp>
+        <p:nvSpPr>
+          <p:cNvPr id="41" name="テキスト ボックス 40">
+            <a:extLst>
+              <a:ext uri="{FF2B5EF4-FFF2-40B4-BE49-F238E27FC236}">
+                <a16:creationId xmlns:a16="http://schemas.microsoft.com/office/drawing/2014/main" id="{7012897A-18E2-BE47-56EC-7DB087993D57}"/>
+              </a:ext>
+            </a:extLst>
+          </p:cNvPr>
+          <p:cNvSpPr txBox="1"/>
+          <p:nvPr/>
+        </p:nvSpPr>
+        <p:spPr>
+          <a:xfrm>
+            <a:off x="4524554" y="4243041"/>
+            <a:ext cx="777777" cy="338554"/>
+          </a:xfrm>
+          <a:prstGeom prst="rect">
+            <a:avLst/>
+          </a:prstGeom>
+          <a:noFill/>
+        </p:spPr>
+        <p:txBody>
+          <a:bodyPr wrap="none" rtlCol="0">
+            <a:spAutoFit/>
+          </a:bodyPr>
+          <a:lstStyle/>
+          <a:p>
+            <a:r>
+              <a:rPr lang="en-US" altLang="ja-JP" sz="1600" dirty="0"/>
+              <a:t>OAuth</a:t>
+            </a:r>
+          </a:p>
+        </p:txBody>
+      </p:sp>
+      <p:cxnSp>
+        <p:nvCxnSpPr>
+          <p:cNvPr id="44" name="コネクタ: カギ線 58">
+            <a:extLst>
+              <a:ext uri="{FF2B5EF4-FFF2-40B4-BE49-F238E27FC236}">
+                <a16:creationId xmlns:a16="http://schemas.microsoft.com/office/drawing/2014/main" id="{72659572-E6EA-62D3-98E3-1BEF608F5411}"/>
+              </a:ext>
+            </a:extLst>
+          </p:cNvPr>
+          <p:cNvCxnSpPr>
+            <a:cxnSpLocks/>
+            <a:stCxn id="4" idx="0"/>
+            <a:endCxn id="7" idx="2"/>
+          </p:cNvCxnSpPr>
+          <p:nvPr/>
+        </p:nvCxnSpPr>
+        <p:spPr>
+          <a:xfrm rot="5400000" flipH="1" flipV="1">
+            <a:off x="6002171" y="2590123"/>
+            <a:ext cx="1203600" cy="11534"/>
+          </a:xfrm>
+          <a:prstGeom prst="bentConnector3">
+            <a:avLst>
+              <a:gd name="adj1" fmla="val 50000"/>
+            </a:avLst>
+          </a:prstGeom>
+          <a:ln w="9525" cap="flat" cmpd="sng" algn="ctr">
+            <a:solidFill>
+              <a:schemeClr val="dk1"/>
+            </a:solidFill>
+            <a:prstDash val="dash"/>
+            <a:round/>
+            <a:headEnd type="none" w="med" len="med"/>
+            <a:tailEnd type="arrow" w="med" len="med"/>
+          </a:ln>
+        </p:spPr>
+        <p:style>
+          <a:lnRef idx="0">
+            <a:scrgbClr r="0" g="0" b="0"/>
+          </a:lnRef>
+          <a:fillRef idx="0">
+            <a:scrgbClr r="0" g="0" b="0"/>
+          </a:fillRef>
+          <a:effectRef idx="0">
+            <a:scrgbClr r="0" g="0" b="0"/>
+          </a:effectRef>
+          <a:fontRef idx="minor">
+            <a:schemeClr val="tx1"/>
+          </a:fontRef>
+        </p:style>
+      </p:cxnSp>
+      <p:sp>
+        <p:nvSpPr>
+          <p:cNvPr id="48" name="テキスト ボックス 47">
+            <a:extLst>
+              <a:ext uri="{FF2B5EF4-FFF2-40B4-BE49-F238E27FC236}">
+                <a16:creationId xmlns:a16="http://schemas.microsoft.com/office/drawing/2014/main" id="{B3F6588F-494F-58B0-58BF-DC82900C88F7}"/>
+              </a:ext>
+            </a:extLst>
+          </p:cNvPr>
+          <p:cNvSpPr txBox="1"/>
+          <p:nvPr/>
+        </p:nvSpPr>
+        <p:spPr>
+          <a:xfrm>
+            <a:off x="6609737" y="2482697"/>
+            <a:ext cx="1826141" cy="338554"/>
+          </a:xfrm>
+          <a:prstGeom prst="rect">
+            <a:avLst/>
+          </a:prstGeom>
+          <a:noFill/>
+        </p:spPr>
+        <p:txBody>
+          <a:bodyPr wrap="none" rtlCol="0">
+            <a:spAutoFit/>
+          </a:bodyPr>
+          <a:lstStyle/>
+          <a:p>
+            <a:r>
+              <a:rPr lang="ja-JP" altLang="en-US" sz="1600"/>
+              <a:t>フェデレーション</a:t>
+            </a:r>
+            <a:endParaRPr lang="en-US" altLang="ja-JP" sz="1600" dirty="0"/>
+          </a:p>
+        </p:txBody>
+      </p:sp>
+      <p:sp>
+        <p:nvSpPr>
+          <p:cNvPr id="50" name="テキスト ボックス 49">
+            <a:extLst>
+              <a:ext uri="{FF2B5EF4-FFF2-40B4-BE49-F238E27FC236}">
+                <a16:creationId xmlns:a16="http://schemas.microsoft.com/office/drawing/2014/main" id="{F1CA24DF-A4AD-5444-CB10-874F181A194A}"/>
+              </a:ext>
+            </a:extLst>
+          </p:cNvPr>
+          <p:cNvSpPr txBox="1"/>
+          <p:nvPr/>
+        </p:nvSpPr>
+        <p:spPr>
+          <a:xfrm>
+            <a:off x="6591596" y="4480999"/>
+            <a:ext cx="1210588" cy="338554"/>
+          </a:xfrm>
+          <a:prstGeom prst="rect">
+            <a:avLst/>
+          </a:prstGeom>
+          <a:noFill/>
+        </p:spPr>
+        <p:txBody>
+          <a:bodyPr wrap="none" rtlCol="0">
+            <a:spAutoFit/>
+          </a:bodyPr>
+          <a:lstStyle/>
+          <a:p>
+            <a:r>
+              <a:rPr lang="ja-JP" altLang="en-US" sz="1600"/>
+              <a:t>認証・認可</a:t>
+            </a:r>
+            <a:endParaRPr lang="en-US" altLang="ja-JP" sz="1600" dirty="0"/>
+          </a:p>
+        </p:txBody>
+      </p:sp>
     </p:spTree>
     <p:extLst>
       <p:ext uri="{BB962C8B-B14F-4D97-AF65-F5344CB8AC3E}">
